--- a/slides/Keystone Advanced Debug.pptx
+++ b/slides/Keystone Advanced Debug.pptx
@@ -41,6 +41,9 @@
   </p:sldIdLst>
   <p:sldSz cx="9144000" cy="6858000" type="screen4x3"/>
   <p:notesSz cx="6858000" cy="9144000"/>
+  <p:custDataLst>
+    <p:tags r:id="rId33"/>
+  </p:custDataLst>
   <p:defaultTextStyle>
     <a:defPPr>
       <a:defRPr lang="en-US"/>
@@ -222,7 +225,7 @@
             <a:fld id="{E168EC2E-7004-4E52-B364-EF7EFD24F792}" type="datetimeFigureOut">
               <a:rPr lang="en-US" smtClean="0"/>
               <a:pPr/>
-              <a:t>2/24/2012</a:t>
+              <a:t>3/6/2012</a:t>
             </a:fld>
             <a:endParaRPr lang="en-US"/>
           </a:p>
@@ -3406,97 +3409,6 @@
           </a:p>
         </p:txBody>
       </p:sp>
-      <p:sp>
-        <p:nvSpPr>
-          <p:cNvPr id="4" name="Date Placeholder 3"/>
-          <p:cNvSpPr>
-            <a:spLocks noGrp="1"/>
-          </p:cNvSpPr>
-          <p:nvPr>
-            <p:ph type="dt" sz="half" idx="10"/>
-          </p:nvPr>
-        </p:nvSpPr>
-        <p:spPr>
-          <a:xfrm>
-            <a:off x="457200" y="6356350"/>
-            <a:ext cx="2133600" cy="365125"/>
-          </a:xfrm>
-          <a:prstGeom prst="rect">
-            <a:avLst/>
-          </a:prstGeom>
-        </p:spPr>
-        <p:txBody>
-          <a:bodyPr/>
-          <a:lstStyle/>
-          <a:p>
-            <a:fld id="{08C2B891-359A-4C2A-8A6C-321CC963FCC9}" type="datetimeFigureOut">
-              <a:rPr lang="en-US" smtClean="0"/>
-              <a:pPr/>
-              <a:t>2/24/2012</a:t>
-            </a:fld>
-            <a:endParaRPr lang="en-US"/>
-          </a:p>
-        </p:txBody>
-      </p:sp>
-      <p:sp>
-        <p:nvSpPr>
-          <p:cNvPr id="5" name="Footer Placeholder 4"/>
-          <p:cNvSpPr>
-            <a:spLocks noGrp="1"/>
-          </p:cNvSpPr>
-          <p:nvPr>
-            <p:ph type="ftr" sz="quarter" idx="11"/>
-          </p:nvPr>
-        </p:nvSpPr>
-        <p:spPr>
-          <a:xfrm>
-            <a:off x="3124200" y="6356350"/>
-            <a:ext cx="2895600" cy="365125"/>
-          </a:xfrm>
-          <a:prstGeom prst="rect">
-            <a:avLst/>
-          </a:prstGeom>
-        </p:spPr>
-        <p:txBody>
-          <a:bodyPr/>
-          <a:lstStyle/>
-          <a:p>
-            <a:endParaRPr lang="en-US"/>
-          </a:p>
-        </p:txBody>
-      </p:sp>
-      <p:sp>
-        <p:nvSpPr>
-          <p:cNvPr id="6" name="Slide Number Placeholder 5"/>
-          <p:cNvSpPr>
-            <a:spLocks noGrp="1"/>
-          </p:cNvSpPr>
-          <p:nvPr>
-            <p:ph type="sldNum" sz="quarter" idx="12"/>
-          </p:nvPr>
-        </p:nvSpPr>
-        <p:spPr>
-          <a:xfrm>
-            <a:off x="6553200" y="6356350"/>
-            <a:ext cx="2133600" cy="365125"/>
-          </a:xfrm>
-          <a:prstGeom prst="rect">
-            <a:avLst/>
-          </a:prstGeom>
-        </p:spPr>
-        <p:txBody>
-          <a:bodyPr/>
-          <a:lstStyle/>
-          <a:p>
-            <a:fld id="{B2F29717-F16F-4F2B-B46B-5E7A6EC5B1D9}" type="slidenum">
-              <a:rPr lang="en-US" smtClean="0"/>
-              <a:pPr/>
-              <a:t>‹#›</a:t>
-            </a:fld>
-            <a:endParaRPr lang="en-US"/>
-          </a:p>
-        </p:txBody>
-      </p:sp>
     </p:spTree>
   </p:cSld>
   <p:clrMapOvr>
@@ -3765,8 +3677,8 @@
         </p:nvSpPr>
         <p:spPr>
           <a:xfrm>
-            <a:off x="7930120" y="6498264"/>
-            <a:ext cx="856260" cy="276999"/>
+            <a:off x="7425393" y="6498264"/>
+            <a:ext cx="1357103" cy="276999"/>
           </a:xfrm>
           <a:prstGeom prst="rect">
             <a:avLst/>
@@ -3790,6 +3702,26 @@
               </a:spcAft>
               <a:defRPr/>
             </a:pPr>
+            <a:r>
+              <a:rPr lang="en-US" sz="1200" b="1" dirty="0" smtClean="0">
+                <a:ln w="10541" cmpd="sng">
+                  <a:solidFill>
+                    <a:srgbClr val="7D7D7D">
+                      <a:tint val="100000"/>
+                      <a:shade val="100000"/>
+                      <a:satMod val="110000"/>
+                    </a:srgbClr>
+                  </a:solidFill>
+                  <a:prstDash val="solid"/>
+                </a:ln>
+                <a:solidFill>
+                  <a:srgbClr val="000000"/>
+                </a:solidFill>
+                <a:latin typeface="Calibri"/>
+                <a:cs typeface="Arial" charset="0"/>
+              </a:rPr>
+              <a:t>Multicore </a:t>
+            </a:r>
             <a:r>
               <a:rPr lang="en-US" sz="1200" b="1" dirty="0">
                 <a:ln w="10541" cmpd="sng">
@@ -3808,7 +3740,7 @@
                 <a:latin typeface="Calibri"/>
                 <a:cs typeface="Arial" charset="0"/>
               </a:rPr>
-              <a:t>CI Training</a:t>
+              <a:t>Training</a:t>
             </a:r>
           </a:p>
         </p:txBody>
@@ -28107,19 +28039,25 @@
 
 <file path=ppt/tags/tag1.xml><?xml version="1.0" encoding="utf-8"?>
 <p:tagLst xmlns:a="http://schemas.openxmlformats.org/drawingml/2006/main" xmlns:r="http://schemas.openxmlformats.org/officeDocument/2006/relationships" xmlns:p="http://schemas.openxmlformats.org/presentationml/2006/main">
-  <p:tag name="ARTICULATE_PUBLISH_MODE" val="2"/>
-  <p:tag name="ARTICULATE_SOURCE_IMAGE" val="C:\DOCUME~1\a0850458\LOCALS~1\Temp\articulate\presenter\imgtemp\wmGCw7Yk_files\slide0001_image001.jpg"/>
+  <p:tag name="ARTICULATE_PROJECT_OPEN" val="0"/>
 </p:tagLst>
 </file>
 
 <file path=ppt/tags/tag2.xml><?xml version="1.0" encoding="utf-8"?>
 <p:tagLst xmlns:a="http://schemas.openxmlformats.org/drawingml/2006/main" xmlns:r="http://schemas.openxmlformats.org/officeDocument/2006/relationships" xmlns:p="http://schemas.openxmlformats.org/presentationml/2006/main">
   <p:tag name="ARTICULATE_PUBLISH_MODE" val="2"/>
+  <p:tag name="ARTICULATE_SOURCE_IMAGE" val="C:\DOCUME~1\a0850458\LOCALS~1\Temp\articulate\presenter\imgtemp\wmGCw7Yk_files\slide0001_image001.jpg"/>
+</p:tagLst>
+</file>
+
+<file path=ppt/tags/tag3.xml><?xml version="1.0" encoding="utf-8"?>
+<p:tagLst xmlns:a="http://schemas.openxmlformats.org/drawingml/2006/main" xmlns:r="http://schemas.openxmlformats.org/officeDocument/2006/relationships" xmlns:p="http://schemas.openxmlformats.org/presentationml/2006/main">
+  <p:tag name="ARTICULATE_PUBLISH_MODE" val="2"/>
   <p:tag name="ARTICULATE_SOURCE_IMAGE" val="C:\DOCUME~1\a0850458\LOCALS~1\Temp\articulate\presenter\imgtemp\1IW6HyKN_files\slide0001_image001.png"/>
 </p:tagLst>
 </file>
 
-<file path=ppt/tags/tag3.xml><?xml version="1.0" encoding="utf-8"?>
+<file path=ppt/tags/tag4.xml><?xml version="1.0" encoding="utf-8"?>
 <p:tagLst xmlns:a="http://schemas.openxmlformats.org/drawingml/2006/main" xmlns:r="http://schemas.openxmlformats.org/officeDocument/2006/relationships" xmlns:p="http://schemas.openxmlformats.org/presentationml/2006/main">
   <p:tag name="TIMELINE" val="9.05"/>
   <p:tag name="ARTICULATE_SLIDE_PAUSE" val="0"/>

--- a/slides/Keystone Advanced Debug.pptx
+++ b/slides/Keystone Advanced Debug.pptx
@@ -225,7 +225,7 @@
             <a:fld id="{E168EC2E-7004-4E52-B364-EF7EFD24F792}" type="datetimeFigureOut">
               <a:rPr lang="en-US" smtClean="0"/>
               <a:pPr/>
-              <a:t>3/6/2012</a:t>
+              <a:t>3/21/2012</a:t>
             </a:fld>
             <a:endParaRPr lang="en-US"/>
           </a:p>
@@ -24320,8 +24320,17 @@
           <a:p>
             <a:r>
               <a:rPr lang="en-US" dirty="0" smtClean="0"/>
-              <a:t>Advanced Event Triggering</a:t>
-            </a:r>
+              <a:t>Advanced </a:t>
+            </a:r>
+            <a:r>
+              <a:rPr lang="en-US" smtClean="0"/>
+              <a:t>Event </a:t>
+            </a:r>
+            <a:r>
+              <a:rPr lang="en-US" smtClean="0"/>
+              <a:t>Triggering 1</a:t>
+            </a:r>
+            <a:endParaRPr lang="en-US" dirty="0" smtClean="0"/>
           </a:p>
           <a:p>
             <a:r>

--- a/slides/Keystone Advanced Debug.pptx
+++ b/slides/Keystone Advanced Debug.pptx
@@ -24328,7 +24328,7 @@
             </a:r>
             <a:r>
               <a:rPr lang="en-US" smtClean="0"/>
-              <a:t>Triggering 1</a:t>
+              <a:t>Triggering</a:t>
             </a:r>
             <a:endParaRPr lang="en-US" dirty="0" smtClean="0"/>
           </a:p>

--- a/slides/Keystone Advanced Debug.pptx
+++ b/slides/Keystone Advanced Debug.pptx
@@ -225,7 +225,7 @@
             <a:fld id="{E168EC2E-7004-4E52-B364-EF7EFD24F792}" type="datetimeFigureOut">
               <a:rPr lang="en-US" smtClean="0"/>
               <a:pPr/>
-              <a:t>3/21/2012</a:t>
+              <a:t>3/6/2012</a:t>
             </a:fld>
             <a:endParaRPr lang="en-US"/>
           </a:p>
@@ -24320,17 +24320,8 @@
           <a:p>
             <a:r>
               <a:rPr lang="en-US" dirty="0" smtClean="0"/>
-              <a:t>Advanced </a:t>
-            </a:r>
-            <a:r>
-              <a:rPr lang="en-US" smtClean="0"/>
-              <a:t>Event </a:t>
-            </a:r>
-            <a:r>
-              <a:rPr lang="en-US" smtClean="0"/>
-              <a:t>Triggering</a:t>
-            </a:r>
-            <a:endParaRPr lang="en-US" dirty="0" smtClean="0"/>
+              <a:t>Advanced Event Triggering</a:t>
+            </a:r>
           </a:p>
           <a:p>
             <a:r>

--- a/slides/Keystone Advanced Debug.pptx
+++ b/slides/Keystone Advanced Debug.pptx
@@ -225,7 +225,7 @@
             <a:fld id="{E168EC2E-7004-4E52-B364-EF7EFD24F792}" type="datetimeFigureOut">
               <a:rPr lang="en-US" smtClean="0"/>
               <a:pPr/>
-              <a:t>3/6/2012</a:t>
+              <a:t>3/22/2012</a:t>
             </a:fld>
             <a:endParaRPr lang="en-US"/>
           </a:p>
@@ -4165,8 +4165,23 @@
           <a:lstStyle/>
           <a:p>
             <a:r>
+              <a:rPr lang="en-US" smtClean="0"/>
+              <a:t>Keystone </a:t>
+            </a:r>
+            <a:r>
+              <a:rPr lang="en-US" smtClean="0"/>
+              <a:t/>
+            </a:r>
+            <a:br>
+              <a:rPr lang="en-US" smtClean="0"/>
+            </a:br>
+            <a:r>
+              <a:rPr lang="en-US" smtClean="0"/>
+              <a:t>Advanced </a:t>
+            </a:r>
+            <a:r>
               <a:rPr lang="en-US" dirty="0" smtClean="0"/>
-              <a:t>Keystone Advanced Debug</a:t>
+              <a:t>Debug</a:t>
             </a:r>
             <a:endParaRPr lang="en-US" dirty="0"/>
           </a:p>

--- a/slides/Keystone Advanced Debug.pptx
+++ b/slides/Keystone Advanced Debug.pptx
@@ -4165,18 +4165,11 @@
           <a:lstStyle/>
           <a:p>
             <a:r>
-              <a:rPr lang="en-US" smtClean="0"/>
+              <a:rPr lang="en-US" dirty="0" smtClean="0"/>
               <a:t>Keystone </a:t>
             </a:r>
             <a:r>
-              <a:rPr lang="en-US" smtClean="0"/>
-              <a:t/>
-            </a:r>
-            <a:br>
-              <a:rPr lang="en-US" smtClean="0"/>
-            </a:br>
-            <a:r>
-              <a:rPr lang="en-US" smtClean="0"/>
+              <a:rPr lang="en-US" dirty="0" smtClean="0"/>
               <a:t>Advanced </a:t>
             </a:r>
             <a:r>
